--- a/Specification/English/Editable source images/Images Spec Part 5 - SPU.pptx
+++ b/Specification/English/Editable source images/Images Spec Part 5 - SPU.pptx
@@ -296,7 +296,7 @@
             <a:fld id="{58855999-87E7-4646-BE91-91594D40D108}" type="datetimeFigureOut">
               <a:rPr lang="es-ES" smtClean="0"/>
               <a:pPr/>
-              <a:t>24/11/2022</a:t>
+              <a:t>06/01/2024</a:t>
             </a:fld>
             <a:endParaRPr lang="es-ES"/>
           </a:p>
@@ -463,7 +463,7 @@
             <a:fld id="{58855999-87E7-4646-BE91-91594D40D108}" type="datetimeFigureOut">
               <a:rPr lang="es-ES" smtClean="0"/>
               <a:pPr/>
-              <a:t>24/11/2022</a:t>
+              <a:t>06/01/2024</a:t>
             </a:fld>
             <a:endParaRPr lang="es-ES"/>
           </a:p>
@@ -640,7 +640,7 @@
             <a:fld id="{58855999-87E7-4646-BE91-91594D40D108}" type="datetimeFigureOut">
               <a:rPr lang="es-ES" smtClean="0"/>
               <a:pPr/>
-              <a:t>24/11/2022</a:t>
+              <a:t>06/01/2024</a:t>
             </a:fld>
             <a:endParaRPr lang="es-ES"/>
           </a:p>
@@ -807,7 +807,7 @@
             <a:fld id="{58855999-87E7-4646-BE91-91594D40D108}" type="datetimeFigureOut">
               <a:rPr lang="es-ES" smtClean="0"/>
               <a:pPr/>
-              <a:t>24/11/2022</a:t>
+              <a:t>06/01/2024</a:t>
             </a:fld>
             <a:endParaRPr lang="es-ES"/>
           </a:p>
@@ -1050,7 +1050,7 @@
             <a:fld id="{58855999-87E7-4646-BE91-91594D40D108}" type="datetimeFigureOut">
               <a:rPr lang="es-ES" smtClean="0"/>
               <a:pPr/>
-              <a:t>24/11/2022</a:t>
+              <a:t>06/01/2024</a:t>
             </a:fld>
             <a:endParaRPr lang="es-ES"/>
           </a:p>
@@ -1335,7 +1335,7 @@
             <a:fld id="{58855999-87E7-4646-BE91-91594D40D108}" type="datetimeFigureOut">
               <a:rPr lang="es-ES" smtClean="0"/>
               <a:pPr/>
-              <a:t>24/11/2022</a:t>
+              <a:t>06/01/2024</a:t>
             </a:fld>
             <a:endParaRPr lang="es-ES"/>
           </a:p>
@@ -1754,7 +1754,7 @@
             <a:fld id="{58855999-87E7-4646-BE91-91594D40D108}" type="datetimeFigureOut">
               <a:rPr lang="es-ES" smtClean="0"/>
               <a:pPr/>
-              <a:t>24/11/2022</a:t>
+              <a:t>06/01/2024</a:t>
             </a:fld>
             <a:endParaRPr lang="es-ES"/>
           </a:p>
@@ -1869,7 +1869,7 @@
             <a:fld id="{58855999-87E7-4646-BE91-91594D40D108}" type="datetimeFigureOut">
               <a:rPr lang="es-ES" smtClean="0"/>
               <a:pPr/>
-              <a:t>24/11/2022</a:t>
+              <a:t>06/01/2024</a:t>
             </a:fld>
             <a:endParaRPr lang="es-ES"/>
           </a:p>
@@ -1961,7 +1961,7 @@
             <a:fld id="{58855999-87E7-4646-BE91-91594D40D108}" type="datetimeFigureOut">
               <a:rPr lang="es-ES" smtClean="0"/>
               <a:pPr/>
-              <a:t>24/11/2022</a:t>
+              <a:t>06/01/2024</a:t>
             </a:fld>
             <a:endParaRPr lang="es-ES"/>
           </a:p>
@@ -2235,7 +2235,7 @@
             <a:fld id="{58855999-87E7-4646-BE91-91594D40D108}" type="datetimeFigureOut">
               <a:rPr lang="es-ES" smtClean="0"/>
               <a:pPr/>
-              <a:t>24/11/2022</a:t>
+              <a:t>06/01/2024</a:t>
             </a:fld>
             <a:endParaRPr lang="es-ES"/>
           </a:p>
@@ -2485,7 +2485,7 @@
             <a:fld id="{58855999-87E7-4646-BE91-91594D40D108}" type="datetimeFigureOut">
               <a:rPr lang="es-ES" smtClean="0"/>
               <a:pPr/>
-              <a:t>24/11/2022</a:t>
+              <a:t>06/01/2024</a:t>
             </a:fld>
             <a:endParaRPr lang="es-ES"/>
           </a:p>
@@ -2695,7 +2695,7 @@
             <a:fld id="{58855999-87E7-4646-BE91-91594D40D108}" type="datetimeFigureOut">
               <a:rPr lang="es-ES" smtClean="0"/>
               <a:pPr/>
-              <a:t>24/11/2022</a:t>
+              <a:t>06/01/2024</a:t>
             </a:fld>
             <a:endParaRPr lang="es-ES"/>
           </a:p>
@@ -4014,13 +4014,13 @@
       </p:grpSpPr>
       <p:sp>
         <p:nvSpPr>
-          <p:cNvPr id="15" name="14 Rectángulo redondeado"/>
+          <p:cNvPr id="28" name="27 Rectángulo redondeado"/>
           <p:cNvSpPr/>
           <p:nvPr/>
         </p:nvSpPr>
         <p:spPr>
           <a:xfrm>
-            <a:off x="3203849" y="1707654"/>
+            <a:off x="3059833" y="1707654"/>
             <a:ext cx="1008112" cy="432048"/>
           </a:xfrm>
           <a:prstGeom prst="roundRect">
@@ -4029,11 +4029,13 @@
             </a:avLst>
           </a:prstGeom>
           <a:solidFill>
-            <a:srgbClr val="FFC000"/>
+            <a:srgbClr val="FFFF99"/>
           </a:solidFill>
           <a:ln w="19050">
             <a:solidFill>
-              <a:srgbClr val="FF0000"/>
+              <a:schemeClr val="accent6">
+                <a:lumMod val="75000"/>
+              </a:schemeClr>
             </a:solidFill>
           </a:ln>
         </p:spPr>
@@ -4057,14 +4059,14 @@
           <a:p>
             <a:pPr algn="ctr"/>
             <a:r>
-              <a:rPr lang="es-ES" sz="1600" b="1" smtClean="0">
+              <a:rPr lang="es-ES" sz="1200" smtClean="0">
                 <a:solidFill>
                   <a:srgbClr val="C00000"/>
                 </a:solidFill>
               </a:rPr>
-              <a:t>SPU</a:t>
-            </a:r>
-            <a:endParaRPr lang="es-ES" sz="1600" b="1">
+              <a:t>SPU control</a:t>
+            </a:r>
+            <a:endParaRPr lang="es-ES" sz="1200">
               <a:solidFill>
                 <a:srgbClr val="C00000"/>
               </a:solidFill>
@@ -4074,13 +4076,13 @@
       </p:sp>
       <p:sp>
         <p:nvSpPr>
-          <p:cNvPr id="16" name="15 Rectángulo redondeado"/>
+          <p:cNvPr id="29" name="28 Rectángulo redondeado"/>
           <p:cNvSpPr/>
           <p:nvPr/>
         </p:nvSpPr>
         <p:spPr>
           <a:xfrm>
-            <a:off x="1331640" y="1707654"/>
+            <a:off x="755576" y="1707654"/>
             <a:ext cx="1008113" cy="432048"/>
           </a:xfrm>
           <a:prstGeom prst="roundRect">
@@ -4129,13 +4131,296 @@
       </p:sp>
       <p:sp>
         <p:nvSpPr>
-          <p:cNvPr id="17" name="16 Rectángulo redondeado"/>
+          <p:cNvPr id="30" name="29 Rectángulo redondeado"/>
           <p:cNvSpPr/>
           <p:nvPr/>
         </p:nvSpPr>
         <p:spPr>
           <a:xfrm>
-            <a:off x="5076056" y="1707654"/>
+            <a:off x="4932040" y="1707654"/>
+            <a:ext cx="1008112" cy="432048"/>
+          </a:xfrm>
+          <a:prstGeom prst="roundRect">
+            <a:avLst>
+              <a:gd name="adj" fmla="val 12476"/>
+            </a:avLst>
+          </a:prstGeom>
+          <a:solidFill>
+            <a:srgbClr val="FFFF99"/>
+          </a:solidFill>
+          <a:ln w="19050">
+            <a:solidFill>
+              <a:schemeClr val="accent6">
+                <a:lumMod val="75000"/>
+              </a:schemeClr>
+            </a:solidFill>
+          </a:ln>
+        </p:spPr>
+        <p:style>
+          <a:lnRef idx="2">
+            <a:schemeClr val="dk1"/>
+          </a:lnRef>
+          <a:fillRef idx="1">
+            <a:schemeClr val="lt1"/>
+          </a:fillRef>
+          <a:effectRef idx="0">
+            <a:schemeClr val="dk1"/>
+          </a:effectRef>
+          <a:fontRef idx="minor">
+            <a:schemeClr val="dk1"/>
+          </a:fontRef>
+        </p:style>
+        <p:txBody>
+          <a:bodyPr rtlCol="0" anchor="ctr"/>
+          <a:lstStyle/>
+          <a:p>
+            <a:pPr algn="ctr"/>
+            <a:r>
+              <a:rPr lang="es-ES" sz="1200" smtClean="0">
+                <a:solidFill>
+                  <a:srgbClr val="C00000"/>
+                </a:solidFill>
+              </a:rPr>
+              <a:t>Mixer</a:t>
+            </a:r>
+            <a:endParaRPr lang="es-ES" sz="1200">
+              <a:solidFill>
+                <a:srgbClr val="C00000"/>
+              </a:solidFill>
+            </a:endParaRPr>
+          </a:p>
+        </p:txBody>
+      </p:sp>
+      <p:sp>
+        <p:nvSpPr>
+          <p:cNvPr id="31" name="30 Rectángulo redondeado"/>
+          <p:cNvSpPr/>
+          <p:nvPr/>
+        </p:nvSpPr>
+        <p:spPr>
+          <a:xfrm>
+            <a:off x="7380312" y="2571750"/>
+            <a:ext cx="1008112" cy="432048"/>
+          </a:xfrm>
+          <a:prstGeom prst="roundRect">
+            <a:avLst>
+              <a:gd name="adj" fmla="val 12476"/>
+            </a:avLst>
+          </a:prstGeom>
+          <a:solidFill>
+            <a:srgbClr val="FFCCCC"/>
+          </a:solidFill>
+          <a:ln w="19050">
+            <a:solidFill>
+              <a:srgbClr val="C00000"/>
+            </a:solidFill>
+          </a:ln>
+        </p:spPr>
+        <p:style>
+          <a:lnRef idx="2">
+            <a:schemeClr val="dk1"/>
+          </a:lnRef>
+          <a:fillRef idx="1">
+            <a:schemeClr val="lt1"/>
+          </a:fillRef>
+          <a:effectRef idx="0">
+            <a:schemeClr val="dk1"/>
+          </a:effectRef>
+          <a:fontRef idx="minor">
+            <a:schemeClr val="dk1"/>
+          </a:fontRef>
+        </p:style>
+        <p:txBody>
+          <a:bodyPr rtlCol="0" anchor="ctr"/>
+          <a:lstStyle/>
+          <a:p>
+            <a:pPr algn="ctr"/>
+            <a:r>
+              <a:rPr lang="es-ES" sz="1400" smtClean="0"/>
+              <a:t>Speakers</a:t>
+            </a:r>
+            <a:endParaRPr lang="es-ES" sz="1400"/>
+          </a:p>
+        </p:txBody>
+      </p:sp>
+      <p:cxnSp>
+        <p:nvCxnSpPr>
+          <p:cNvPr id="32" name="31 Conector recto de flecha"/>
+          <p:cNvCxnSpPr>
+            <a:stCxn id="41" idx="3"/>
+            <a:endCxn id="31" idx="1"/>
+          </p:cNvCxnSpPr>
+          <p:nvPr/>
+        </p:nvCxnSpPr>
+        <p:spPr>
+          <a:xfrm>
+            <a:off x="5940152" y="2787774"/>
+            <a:ext cx="1440160" cy="0"/>
+          </a:xfrm>
+          <a:prstGeom prst="straightConnector1">
+            <a:avLst/>
+          </a:prstGeom>
+          <a:ln w="38100">
+            <a:tailEnd type="arrow"/>
+          </a:ln>
+        </p:spPr>
+        <p:style>
+          <a:lnRef idx="1">
+            <a:schemeClr val="accent1"/>
+          </a:lnRef>
+          <a:fillRef idx="0">
+            <a:schemeClr val="accent1"/>
+          </a:fillRef>
+          <a:effectRef idx="0">
+            <a:schemeClr val="accent1"/>
+          </a:effectRef>
+          <a:fontRef idx="minor">
+            <a:schemeClr val="tx1"/>
+          </a:fontRef>
+        </p:style>
+      </p:cxnSp>
+      <p:cxnSp>
+        <p:nvCxnSpPr>
+          <p:cNvPr id="33" name="32 Conector recto de flecha"/>
+          <p:cNvCxnSpPr>
+            <a:stCxn id="29" idx="3"/>
+            <a:endCxn id="28" idx="1"/>
+          </p:cNvCxnSpPr>
+          <p:nvPr/>
+        </p:nvCxnSpPr>
+        <p:spPr>
+          <a:xfrm>
+            <a:off x="1763689" y="1923678"/>
+            <a:ext cx="1296144" cy="0"/>
+          </a:xfrm>
+          <a:prstGeom prst="straightConnector1">
+            <a:avLst/>
+          </a:prstGeom>
+          <a:ln w="38100">
+            <a:tailEnd type="arrow"/>
+          </a:ln>
+        </p:spPr>
+        <p:style>
+          <a:lnRef idx="1">
+            <a:schemeClr val="accent1"/>
+          </a:lnRef>
+          <a:fillRef idx="0">
+            <a:schemeClr val="accent1"/>
+          </a:fillRef>
+          <a:effectRef idx="0">
+            <a:schemeClr val="accent1"/>
+          </a:effectRef>
+          <a:fontRef idx="minor">
+            <a:schemeClr val="tx1"/>
+          </a:fontRef>
+        </p:style>
+      </p:cxnSp>
+      <p:sp>
+        <p:nvSpPr>
+          <p:cNvPr id="34" name="33 CuadroTexto"/>
+          <p:cNvSpPr txBox="1"/>
+          <p:nvPr/>
+        </p:nvSpPr>
+        <p:spPr>
+          <a:xfrm>
+            <a:off x="1619672" y="1419623"/>
+            <a:ext cx="1008112" cy="461665"/>
+          </a:xfrm>
+          <a:prstGeom prst="rect">
+            <a:avLst/>
+          </a:prstGeom>
+          <a:noFill/>
+        </p:spPr>
+        <p:txBody>
+          <a:bodyPr wrap="square" rtlCol="0">
+            <a:spAutoFit/>
+          </a:bodyPr>
+          <a:lstStyle/>
+          <a:p>
+            <a:pPr algn="r"/>
+            <a:r>
+              <a:rPr lang="es-ES" sz="1200" smtClean="0"/>
+              <a:t>Command request</a:t>
+            </a:r>
+            <a:endParaRPr lang="es-ES" sz="1200"/>
+          </a:p>
+        </p:txBody>
+      </p:sp>
+      <p:cxnSp>
+        <p:nvCxnSpPr>
+          <p:cNvPr id="35" name="34 Conector recto de flecha"/>
+          <p:cNvCxnSpPr>
+            <a:stCxn id="28" idx="3"/>
+            <a:endCxn id="30" idx="1"/>
+          </p:cNvCxnSpPr>
+          <p:nvPr/>
+        </p:nvCxnSpPr>
+        <p:spPr>
+          <a:xfrm>
+            <a:off x="4067947" y="1923678"/>
+            <a:ext cx="864095" cy="0"/>
+          </a:xfrm>
+          <a:prstGeom prst="straightConnector1">
+            <a:avLst/>
+          </a:prstGeom>
+          <a:ln w="38100">
+            <a:tailEnd type="arrow"/>
+          </a:ln>
+        </p:spPr>
+        <p:style>
+          <a:lnRef idx="1">
+            <a:schemeClr val="accent1"/>
+          </a:lnRef>
+          <a:fillRef idx="0">
+            <a:schemeClr val="accent1"/>
+          </a:fillRef>
+          <a:effectRef idx="0">
+            <a:schemeClr val="accent1"/>
+          </a:effectRef>
+          <a:fontRef idx="minor">
+            <a:schemeClr val="tx1"/>
+          </a:fontRef>
+        </p:style>
+      </p:cxnSp>
+      <p:sp>
+        <p:nvSpPr>
+          <p:cNvPr id="36" name="35 CuadroTexto"/>
+          <p:cNvSpPr txBox="1"/>
+          <p:nvPr/>
+        </p:nvSpPr>
+        <p:spPr>
+          <a:xfrm>
+            <a:off x="4067944" y="1419623"/>
+            <a:ext cx="1008112" cy="461665"/>
+          </a:xfrm>
+          <a:prstGeom prst="rect">
+            <a:avLst/>
+          </a:prstGeom>
+          <a:noFill/>
+        </p:spPr>
+        <p:txBody>
+          <a:bodyPr wrap="square" rtlCol="0">
+            <a:spAutoFit/>
+          </a:bodyPr>
+          <a:lstStyle/>
+          <a:p>
+            <a:r>
+              <a:rPr lang="es-ES" sz="1200" smtClean="0"/>
+              <a:t>Sound channels</a:t>
+            </a:r>
+            <a:endParaRPr lang="es-ES" sz="1200"/>
+          </a:p>
+        </p:txBody>
+      </p:sp>
+      <p:sp>
+        <p:nvSpPr>
+          <p:cNvPr id="37" name="36 Rectángulo redondeado"/>
+          <p:cNvSpPr/>
+          <p:nvPr/>
+        </p:nvSpPr>
+        <p:spPr>
+          <a:xfrm>
+            <a:off x="3059832" y="2571750"/>
             <a:ext cx="1008112" cy="432048"/>
           </a:xfrm>
           <a:prstGeom prst="roundRect">
@@ -4173,83 +4458,32 @@
             <a:pPr algn="ctr"/>
             <a:r>
               <a:rPr lang="es-ES" sz="1200" smtClean="0"/>
-              <a:t>Mixer</a:t>
+              <a:t>Audio ROMs</a:t>
             </a:r>
             <a:endParaRPr lang="es-ES" sz="1200"/>
-          </a:p>
-        </p:txBody>
-      </p:sp>
-      <p:sp>
-        <p:nvSpPr>
-          <p:cNvPr id="18" name="17 Rectángulo redondeado"/>
-          <p:cNvSpPr/>
-          <p:nvPr/>
-        </p:nvSpPr>
-        <p:spPr>
-          <a:xfrm>
-            <a:off x="6948264" y="1707654"/>
-            <a:ext cx="1008112" cy="432048"/>
-          </a:xfrm>
-          <a:prstGeom prst="roundRect">
-            <a:avLst>
-              <a:gd name="adj" fmla="val 12476"/>
-            </a:avLst>
-          </a:prstGeom>
-          <a:solidFill>
-            <a:srgbClr val="FFCCCC"/>
-          </a:solidFill>
-          <a:ln w="19050">
-            <a:solidFill>
-              <a:srgbClr val="C00000"/>
-            </a:solidFill>
-          </a:ln>
-        </p:spPr>
-        <p:style>
-          <a:lnRef idx="2">
-            <a:schemeClr val="dk1"/>
-          </a:lnRef>
-          <a:fillRef idx="1">
-            <a:schemeClr val="lt1"/>
-          </a:fillRef>
-          <a:effectRef idx="0">
-            <a:schemeClr val="dk1"/>
-          </a:effectRef>
-          <a:fontRef idx="minor">
-            <a:schemeClr val="dk1"/>
-          </a:fontRef>
-        </p:style>
-        <p:txBody>
-          <a:bodyPr rtlCol="0" anchor="ctr"/>
-          <a:lstStyle/>
-          <a:p>
-            <a:pPr algn="ctr"/>
-            <a:r>
-              <a:rPr lang="es-ES" sz="1400" smtClean="0"/>
-              <a:t>Speakers</a:t>
-            </a:r>
-            <a:endParaRPr lang="es-ES" sz="1400"/>
           </a:p>
         </p:txBody>
       </p:sp>
       <p:cxnSp>
         <p:nvCxnSpPr>
-          <p:cNvPr id="19" name="18 Conector recto de flecha"/>
+          <p:cNvPr id="38" name="37 Conector recto de flecha"/>
           <p:cNvCxnSpPr>
-            <a:stCxn id="17" idx="3"/>
-            <a:endCxn id="18" idx="1"/>
+            <a:stCxn id="37" idx="0"/>
+            <a:endCxn id="28" idx="2"/>
           </p:cNvCxnSpPr>
           <p:nvPr/>
         </p:nvCxnSpPr>
         <p:spPr>
-          <a:xfrm>
-            <a:off x="6084168" y="1923678"/>
-            <a:ext cx="864096" cy="0"/>
+          <a:xfrm flipV="1">
+            <a:off x="3563888" y="2139702"/>
+            <a:ext cx="1" cy="432048"/>
           </a:xfrm>
           <a:prstGeom prst="straightConnector1">
             <a:avLst/>
           </a:prstGeom>
-          <a:ln w="38100">
-            <a:tailEnd type="arrow"/>
+          <a:ln w="28575">
+            <a:prstDash val="sysDash"/>
+            <a:tailEnd type="arrow" w="lg" len="lg"/>
           </a:ln>
         </p:spPr>
         <p:style>
@@ -4267,52 +4501,16 @@
           </a:fontRef>
         </p:style>
       </p:cxnSp>
-      <p:cxnSp>
-        <p:nvCxnSpPr>
-          <p:cNvPr id="20" name="19 Conector recto de flecha"/>
-          <p:cNvCxnSpPr>
-            <a:stCxn id="16" idx="3"/>
-            <a:endCxn id="15" idx="1"/>
-          </p:cNvCxnSpPr>
-          <p:nvPr/>
-        </p:nvCxnSpPr>
-        <p:spPr>
-          <a:xfrm>
-            <a:off x="2339753" y="1923678"/>
-            <a:ext cx="864096" cy="0"/>
-          </a:xfrm>
-          <a:prstGeom prst="straightConnector1">
-            <a:avLst/>
-          </a:prstGeom>
-          <a:ln w="38100">
-            <a:tailEnd type="arrow"/>
-          </a:ln>
-        </p:spPr>
-        <p:style>
-          <a:lnRef idx="1">
-            <a:schemeClr val="accent1"/>
-          </a:lnRef>
-          <a:fillRef idx="0">
-            <a:schemeClr val="accent1"/>
-          </a:fillRef>
-          <a:effectRef idx="0">
-            <a:schemeClr val="accent1"/>
-          </a:effectRef>
-          <a:fontRef idx="minor">
-            <a:schemeClr val="tx1"/>
-          </a:fontRef>
-        </p:style>
-      </p:cxnSp>
-      <p:sp>
-        <p:nvSpPr>
-          <p:cNvPr id="21" name="20 CuadroTexto"/>
+      <p:sp>
+        <p:nvSpPr>
+          <p:cNvPr id="39" name="38 CuadroTexto"/>
           <p:cNvSpPr txBox="1"/>
           <p:nvPr/>
         </p:nvSpPr>
         <p:spPr>
           <a:xfrm>
-            <a:off x="2339752" y="1419623"/>
-            <a:ext cx="1008112" cy="461665"/>
+            <a:off x="3635896" y="2222744"/>
+            <a:ext cx="1080120" cy="276999"/>
           </a:xfrm>
           <a:prstGeom prst="rect">
             <a:avLst/>
@@ -4325,60 +4523,25 @@
           </a:bodyPr>
           <a:lstStyle/>
           <a:p>
+            <a:pPr algn="r"/>
             <a:r>
               <a:rPr lang="es-ES" sz="1200" smtClean="0"/>
-              <a:t>Command request</a:t>
+              <a:t>Read samples</a:t>
             </a:r>
             <a:endParaRPr lang="es-ES" sz="1200"/>
           </a:p>
         </p:txBody>
       </p:sp>
-      <p:cxnSp>
-        <p:nvCxnSpPr>
-          <p:cNvPr id="22" name="21 Conector recto de flecha"/>
-          <p:cNvCxnSpPr>
-            <a:stCxn id="15" idx="3"/>
-            <a:endCxn id="17" idx="1"/>
-          </p:cNvCxnSpPr>
-          <p:nvPr/>
-        </p:nvCxnSpPr>
-        <p:spPr>
-          <a:xfrm>
-            <a:off x="4211963" y="1923678"/>
-            <a:ext cx="864095" cy="0"/>
-          </a:xfrm>
-          <a:prstGeom prst="straightConnector1">
-            <a:avLst/>
-          </a:prstGeom>
-          <a:ln w="38100">
-            <a:tailEnd type="arrow"/>
-          </a:ln>
-        </p:spPr>
-        <p:style>
-          <a:lnRef idx="1">
-            <a:schemeClr val="accent1"/>
-          </a:lnRef>
-          <a:fillRef idx="0">
-            <a:schemeClr val="accent1"/>
-          </a:fillRef>
-          <a:effectRef idx="0">
-            <a:schemeClr val="accent1"/>
-          </a:effectRef>
-          <a:fontRef idx="minor">
-            <a:schemeClr val="tx1"/>
-          </a:fontRef>
-        </p:style>
-      </p:cxnSp>
-      <p:sp>
-        <p:nvSpPr>
-          <p:cNvPr id="23" name="22 CuadroTexto"/>
+      <p:sp>
+        <p:nvSpPr>
+          <p:cNvPr id="40" name="39 CuadroTexto"/>
           <p:cNvSpPr txBox="1"/>
           <p:nvPr/>
         </p:nvSpPr>
         <p:spPr>
           <a:xfrm>
-            <a:off x="4211960" y="1419623"/>
-            <a:ext cx="1008112" cy="461665"/>
+            <a:off x="6516216" y="2283719"/>
+            <a:ext cx="792088" cy="461665"/>
           </a:xfrm>
           <a:prstGeom prst="rect">
             <a:avLst/>
@@ -4393,7 +4556,7 @@
           <a:p>
             <a:r>
               <a:rPr lang="es-ES" sz="1200" smtClean="0"/>
-              <a:t>Sound channels</a:t>
+              <a:t>Audio output</a:t>
             </a:r>
             <a:endParaRPr lang="es-ES" sz="1200"/>
           </a:p>
@@ -4401,13 +4564,13 @@
       </p:sp>
       <p:sp>
         <p:nvSpPr>
-          <p:cNvPr id="24" name="23 Rectángulo redondeado"/>
+          <p:cNvPr id="41" name="40 Rectángulo redondeado"/>
           <p:cNvSpPr/>
           <p:nvPr/>
         </p:nvSpPr>
         <p:spPr>
           <a:xfrm>
-            <a:off x="3203848" y="2571750"/>
+            <a:off x="4932040" y="2571750"/>
             <a:ext cx="1008112" cy="432048"/>
           </a:xfrm>
           <a:prstGeom prst="roundRect">
@@ -4445,32 +4608,35 @@
             <a:pPr algn="ctr"/>
             <a:r>
               <a:rPr lang="es-ES" sz="1200" smtClean="0"/>
-              <a:t>Audio ROMs</a:t>
-            </a:r>
-            <a:endParaRPr lang="es-ES" sz="1200"/>
+              <a:t>Output b</a:t>
+            </a:r>
+            <a:r>
+              <a:rPr lang="es-ES" sz="1200" smtClean="0"/>
+              <a:t>uffers</a:t>
+            </a:r>
+            <a:endParaRPr lang="es-ES" sz="1200" smtClean="0"/>
           </a:p>
         </p:txBody>
       </p:sp>
       <p:cxnSp>
         <p:nvCxnSpPr>
-          <p:cNvPr id="25" name="24 Conector recto de flecha"/>
+          <p:cNvPr id="42" name="41 Conector recto de flecha"/>
           <p:cNvCxnSpPr>
-            <a:stCxn id="24" idx="0"/>
-            <a:endCxn id="15" idx="2"/>
+            <a:stCxn id="30" idx="2"/>
+            <a:endCxn id="41" idx="0"/>
           </p:cNvCxnSpPr>
           <p:nvPr/>
         </p:nvCxnSpPr>
         <p:spPr>
-          <a:xfrm flipV="1">
-            <a:off x="3707904" y="2139702"/>
-            <a:ext cx="1" cy="432048"/>
+          <a:xfrm>
+            <a:off x="5436096" y="2139702"/>
+            <a:ext cx="0" cy="432048"/>
           </a:xfrm>
           <a:prstGeom prst="straightConnector1">
             <a:avLst/>
           </a:prstGeom>
-          <a:ln w="28575">
-            <a:prstDash val="sysDash"/>
-            <a:tailEnd type="arrow" w="lg" len="lg"/>
+          <a:ln w="38100">
+            <a:tailEnd type="arrow"/>
           </a:ln>
         </p:spPr>
         <p:style>
@@ -4490,14 +4656,14 @@
       </p:cxnSp>
       <p:sp>
         <p:nvSpPr>
-          <p:cNvPr id="26" name="25 CuadroTexto"/>
+          <p:cNvPr id="43" name="42 CuadroTexto"/>
           <p:cNvSpPr txBox="1"/>
           <p:nvPr/>
         </p:nvSpPr>
         <p:spPr>
           <a:xfrm>
-            <a:off x="3779912" y="2222744"/>
-            <a:ext cx="1080120" cy="276999"/>
+            <a:off x="5292080" y="2222744"/>
+            <a:ext cx="792088" cy="276999"/>
           </a:xfrm>
           <a:prstGeom prst="rect">
             <a:avLst/>
@@ -4510,9 +4676,10 @@
           </a:bodyPr>
           <a:lstStyle/>
           <a:p>
+            <a:pPr algn="r"/>
             <a:r>
               <a:rPr lang="es-ES" sz="1200" smtClean="0"/>
-              <a:t>Read samples</a:t>
+              <a:t>Store</a:t>
             </a:r>
             <a:endParaRPr lang="es-ES" sz="1200"/>
           </a:p>
@@ -4520,31 +4687,59 @@
       </p:sp>
       <p:sp>
         <p:nvSpPr>
-          <p:cNvPr id="27" name="26 CuadroTexto"/>
-          <p:cNvSpPr txBox="1"/>
-          <p:nvPr/>
-        </p:nvSpPr>
-        <p:spPr>
-          <a:xfrm>
-            <a:off x="6084168" y="1419623"/>
-            <a:ext cx="720080" cy="461665"/>
-          </a:xfrm>
-          <a:prstGeom prst="rect">
-            <a:avLst/>
+          <p:cNvPr id="44" name="43 Rectángulo redondeado"/>
+          <p:cNvSpPr/>
+          <p:nvPr/>
+        </p:nvSpPr>
+        <p:spPr>
+          <a:xfrm>
+            <a:off x="2699792" y="1275606"/>
+            <a:ext cx="3744416" cy="1944216"/>
+          </a:xfrm>
+          <a:prstGeom prst="roundRect">
+            <a:avLst>
+              <a:gd name="adj" fmla="val 6424"/>
+            </a:avLst>
           </a:prstGeom>
           <a:noFill/>
-        </p:spPr>
-        <p:txBody>
-          <a:bodyPr wrap="square" rtlCol="0">
-            <a:spAutoFit/>
-          </a:bodyPr>
-          <a:lstStyle/>
-          <a:p>
-            <a:r>
-              <a:rPr lang="es-ES" sz="1200" smtClean="0"/>
-              <a:t>Audio output</a:t>
-            </a:r>
-            <a:endParaRPr lang="es-ES" sz="1200"/>
+          <a:ln w="28575">
+            <a:solidFill>
+              <a:srgbClr val="FF0000"/>
+            </a:solidFill>
+            <a:prstDash val="sysDash"/>
+          </a:ln>
+        </p:spPr>
+        <p:style>
+          <a:lnRef idx="2">
+            <a:schemeClr val="dk1"/>
+          </a:lnRef>
+          <a:fillRef idx="1">
+            <a:schemeClr val="lt1"/>
+          </a:fillRef>
+          <a:effectRef idx="0">
+            <a:schemeClr val="dk1"/>
+          </a:effectRef>
+          <a:fontRef idx="minor">
+            <a:schemeClr val="dk1"/>
+          </a:fontRef>
+        </p:style>
+        <p:txBody>
+          <a:bodyPr rtlCol="0" anchor="t"/>
+          <a:lstStyle/>
+          <a:p>
+            <a:r>
+              <a:rPr lang="es-ES" b="1" smtClean="0">
+                <a:solidFill>
+                  <a:srgbClr val="FF0000"/>
+                </a:solidFill>
+              </a:rPr>
+              <a:t>SPU</a:t>
+            </a:r>
+            <a:endParaRPr lang="es-ES" b="1">
+              <a:solidFill>
+                <a:srgbClr val="FF0000"/>
+              </a:solidFill>
+            </a:endParaRPr>
           </a:p>
         </p:txBody>
       </p:sp>
@@ -4770,7 +4965,7 @@
             <p:cNvPr id="41" name="CuadroTexto 19">
               <a:extLst>
                 <a:ext uri="{FF2B5EF4-FFF2-40B4-BE49-F238E27FC236}">
-                  <a16:creationId xmlns="" xmlns:a16="http://schemas.microsoft.com/office/drawing/2014/main" id="{B81A97C9-B44A-4DCA-962F-3BB6FD3A6362}"/>
+                  <a16:creationId xmlns:a16="http://schemas.microsoft.com/office/drawing/2014/main" xmlns="" id="{B81A97C9-B44A-4DCA-962F-3BB6FD3A6362}"/>
                 </a:ext>
               </a:extLst>
             </p:cNvPr>
@@ -5500,7 +5695,7 @@
           <p:cNvPr id="26" name="CuadroTexto 19">
             <a:extLst>
               <a:ext uri="{FF2B5EF4-FFF2-40B4-BE49-F238E27FC236}">
-                <a16:creationId xmlns="" xmlns:a16="http://schemas.microsoft.com/office/drawing/2014/main" id="{B81A97C9-B44A-4DCA-962F-3BB6FD3A6362}"/>
+                <a16:creationId xmlns:a16="http://schemas.microsoft.com/office/drawing/2014/main" xmlns="" id="{B81A97C9-B44A-4DCA-962F-3BB6FD3A6362}"/>
               </a:ext>
             </a:extLst>
           </p:cNvPr>
@@ -5537,7 +5732,7 @@
           <p:cNvPr id="27" name="CuadroTexto 19">
             <a:extLst>
               <a:ext uri="{FF2B5EF4-FFF2-40B4-BE49-F238E27FC236}">
-                <a16:creationId xmlns="" xmlns:a16="http://schemas.microsoft.com/office/drawing/2014/main" id="{B81A97C9-B44A-4DCA-962F-3BB6FD3A6362}"/>
+                <a16:creationId xmlns:a16="http://schemas.microsoft.com/office/drawing/2014/main" xmlns="" id="{B81A97C9-B44A-4DCA-962F-3BB6FD3A6362}"/>
               </a:ext>
             </a:extLst>
           </p:cNvPr>
@@ -5574,7 +5769,7 @@
           <p:cNvPr id="31" name="CuadroTexto 19">
             <a:extLst>
               <a:ext uri="{FF2B5EF4-FFF2-40B4-BE49-F238E27FC236}">
-                <a16:creationId xmlns="" xmlns:a16="http://schemas.microsoft.com/office/drawing/2014/main" id="{B81A97C9-B44A-4DCA-962F-3BB6FD3A6362}"/>
+                <a16:creationId xmlns:a16="http://schemas.microsoft.com/office/drawing/2014/main" xmlns="" id="{B81A97C9-B44A-4DCA-962F-3BB6FD3A6362}"/>
               </a:ext>
             </a:extLst>
           </p:cNvPr>
@@ -5610,7 +5805,7 @@
           <p:cNvPr id="33" name="CuadroTexto 19">
             <a:extLst>
               <a:ext uri="{FF2B5EF4-FFF2-40B4-BE49-F238E27FC236}">
-                <a16:creationId xmlns="" xmlns:a16="http://schemas.microsoft.com/office/drawing/2014/main" id="{B81A97C9-B44A-4DCA-962F-3BB6FD3A6362}"/>
+                <a16:creationId xmlns:a16="http://schemas.microsoft.com/office/drawing/2014/main" xmlns="" id="{B81A97C9-B44A-4DCA-962F-3BB6FD3A6362}"/>
               </a:ext>
             </a:extLst>
           </p:cNvPr>
@@ -5647,7 +5842,7 @@
           <p:cNvPr id="35" name="CuadroTexto 19">
             <a:extLst>
               <a:ext uri="{FF2B5EF4-FFF2-40B4-BE49-F238E27FC236}">
-                <a16:creationId xmlns="" xmlns:a16="http://schemas.microsoft.com/office/drawing/2014/main" id="{B81A97C9-B44A-4DCA-962F-3BB6FD3A6362}"/>
+                <a16:creationId xmlns:a16="http://schemas.microsoft.com/office/drawing/2014/main" xmlns="" id="{B81A97C9-B44A-4DCA-962F-3BB6FD3A6362}"/>
               </a:ext>
             </a:extLst>
           </p:cNvPr>
@@ -5816,7 +6011,7 @@
           <p:cNvPr id="26" name="CuadroTexto 19">
             <a:extLst>
               <a:ext uri="{FF2B5EF4-FFF2-40B4-BE49-F238E27FC236}">
-                <a16:creationId xmlns="" xmlns:a16="http://schemas.microsoft.com/office/drawing/2014/main" id="{B81A97C9-B44A-4DCA-962F-3BB6FD3A6362}"/>
+                <a16:creationId xmlns:a16="http://schemas.microsoft.com/office/drawing/2014/main" xmlns="" id="{B81A97C9-B44A-4DCA-962F-3BB6FD3A6362}"/>
               </a:ext>
             </a:extLst>
           </p:cNvPr>
@@ -5860,7 +6055,7 @@
           <p:cNvPr id="33" name="CuadroTexto 19">
             <a:extLst>
               <a:ext uri="{FF2B5EF4-FFF2-40B4-BE49-F238E27FC236}">
-                <a16:creationId xmlns="" xmlns:a16="http://schemas.microsoft.com/office/drawing/2014/main" id="{B81A97C9-B44A-4DCA-962F-3BB6FD3A6362}"/>
+                <a16:creationId xmlns:a16="http://schemas.microsoft.com/office/drawing/2014/main" xmlns="" id="{B81A97C9-B44A-4DCA-962F-3BB6FD3A6362}"/>
               </a:ext>
             </a:extLst>
           </p:cNvPr>
@@ -5897,7 +6092,7 @@
           <p:cNvPr id="16" name="CuadroTexto 19">
             <a:extLst>
               <a:ext uri="{FF2B5EF4-FFF2-40B4-BE49-F238E27FC236}">
-                <a16:creationId xmlns="" xmlns:a16="http://schemas.microsoft.com/office/drawing/2014/main" id="{B81A97C9-B44A-4DCA-962F-3BB6FD3A6362}"/>
+                <a16:creationId xmlns:a16="http://schemas.microsoft.com/office/drawing/2014/main" xmlns="" id="{B81A97C9-B44A-4DCA-962F-3BB6FD3A6362}"/>
               </a:ext>
             </a:extLst>
           </p:cNvPr>
@@ -5980,7 +6175,7 @@
           <p:cNvPr id="18" name="CuadroTexto 19">
             <a:extLst>
               <a:ext uri="{FF2B5EF4-FFF2-40B4-BE49-F238E27FC236}">
-                <a16:creationId xmlns="" xmlns:a16="http://schemas.microsoft.com/office/drawing/2014/main" id="{B81A97C9-B44A-4DCA-962F-3BB6FD3A6362}"/>
+                <a16:creationId xmlns:a16="http://schemas.microsoft.com/office/drawing/2014/main" xmlns="" id="{B81A97C9-B44A-4DCA-962F-3BB6FD3A6362}"/>
               </a:ext>
             </a:extLst>
           </p:cNvPr>
@@ -6069,7 +6264,7 @@
           <p:cNvPr id="20" name="CuadroTexto 19">
             <a:extLst>
               <a:ext uri="{FF2B5EF4-FFF2-40B4-BE49-F238E27FC236}">
-                <a16:creationId xmlns="" xmlns:a16="http://schemas.microsoft.com/office/drawing/2014/main" id="{B81A97C9-B44A-4DCA-962F-3BB6FD3A6362}"/>
+                <a16:creationId xmlns:a16="http://schemas.microsoft.com/office/drawing/2014/main" xmlns="" id="{B81A97C9-B44A-4DCA-962F-3BB6FD3A6362}"/>
               </a:ext>
             </a:extLst>
           </p:cNvPr>
@@ -6504,7 +6699,7 @@
           <p:cNvPr id="35" name="CuadroTexto 19">
             <a:extLst>
               <a:ext uri="{FF2B5EF4-FFF2-40B4-BE49-F238E27FC236}">
-                <a16:creationId xmlns="" xmlns:a16="http://schemas.microsoft.com/office/drawing/2014/main" id="{B81A97C9-B44A-4DCA-962F-3BB6FD3A6362}"/>
+                <a16:creationId xmlns:a16="http://schemas.microsoft.com/office/drawing/2014/main" xmlns="" id="{B81A97C9-B44A-4DCA-962F-3BB6FD3A6362}"/>
               </a:ext>
             </a:extLst>
           </p:cNvPr>
@@ -6529,7 +6724,15 @@
           <a:p>
             <a:r>
               <a:rPr lang="es-ES" sz="1050" smtClean="0"/>
-              <a:t>Position  0</a:t>
+              <a:t>Position </a:t>
+            </a:r>
+            <a:r>
+              <a:rPr lang="es-ES" sz="1050" smtClean="0"/>
+              <a:t>= </a:t>
+            </a:r>
+            <a:r>
+              <a:rPr lang="es-ES" sz="1050" smtClean="0"/>
+              <a:t>0</a:t>
             </a:r>
             <a:endParaRPr lang="es-ES" sz="1050"/>
           </a:p>
@@ -6631,7 +6834,7 @@
           <p:cNvPr id="44" name="CuadroTexto 19">
             <a:extLst>
               <a:ext uri="{FF2B5EF4-FFF2-40B4-BE49-F238E27FC236}">
-                <a16:creationId xmlns="" xmlns:a16="http://schemas.microsoft.com/office/drawing/2014/main" id="{B81A97C9-B44A-4DCA-962F-3BB6FD3A6362}"/>
+                <a16:creationId xmlns:a16="http://schemas.microsoft.com/office/drawing/2014/main" xmlns="" id="{B81A97C9-B44A-4DCA-962F-3BB6FD3A6362}"/>
               </a:ext>
             </a:extLst>
           </p:cNvPr>
@@ -6667,7 +6870,7 @@
           <p:cNvPr id="60" name="CuadroTexto 19">
             <a:extLst>
               <a:ext uri="{FF2B5EF4-FFF2-40B4-BE49-F238E27FC236}">
-                <a16:creationId xmlns="" xmlns:a16="http://schemas.microsoft.com/office/drawing/2014/main" id="{B81A97C9-B44A-4DCA-962F-3BB6FD3A6362}"/>
+                <a16:creationId xmlns:a16="http://schemas.microsoft.com/office/drawing/2014/main" xmlns="" id="{B81A97C9-B44A-4DCA-962F-3BB6FD3A6362}"/>
               </a:ext>
             </a:extLst>
           </p:cNvPr>
@@ -6676,8 +6879,8 @@
         </p:nvSpPr>
         <p:spPr>
           <a:xfrm>
-            <a:off x="1763688" y="3421038"/>
-            <a:ext cx="1224136" cy="230832"/>
+            <a:off x="1691680" y="3421038"/>
+            <a:ext cx="1296144" cy="230832"/>
           </a:xfrm>
           <a:prstGeom prst="rect">
             <a:avLst/>
@@ -6693,7 +6896,11 @@
             <a:pPr algn="r"/>
             <a:r>
               <a:rPr lang="es-ES" sz="1050" smtClean="0"/>
-              <a:t>Position  (Length-1)</a:t>
+              <a:t>Position </a:t>
+            </a:r>
+            <a:r>
+              <a:rPr lang="es-ES" sz="1050" smtClean="0"/>
+              <a:t>= Length - 1</a:t>
             </a:r>
             <a:endParaRPr lang="es-ES" sz="1050"/>
           </a:p>
@@ -6704,7 +6911,7 @@
           <p:cNvPr id="75" name="CuadroTexto 19">
             <a:extLst>
               <a:ext uri="{FF2B5EF4-FFF2-40B4-BE49-F238E27FC236}">
-                <a16:creationId xmlns="" xmlns:a16="http://schemas.microsoft.com/office/drawing/2014/main" id="{B81A97C9-B44A-4DCA-962F-3BB6FD3A6362}"/>
+                <a16:creationId xmlns:a16="http://schemas.microsoft.com/office/drawing/2014/main" xmlns="" id="{B81A97C9-B44A-4DCA-962F-3BB6FD3A6362}"/>
               </a:ext>
             </a:extLst>
           </p:cNvPr>
@@ -6937,7 +7144,7 @@
           <p:cNvPr id="88" name="CuadroTexto 19">
             <a:extLst>
               <a:ext uri="{FF2B5EF4-FFF2-40B4-BE49-F238E27FC236}">
-                <a16:creationId xmlns="" xmlns:a16="http://schemas.microsoft.com/office/drawing/2014/main" id="{B81A97C9-B44A-4DCA-962F-3BB6FD3A6362}"/>
+                <a16:creationId xmlns:a16="http://schemas.microsoft.com/office/drawing/2014/main" xmlns="" id="{B81A97C9-B44A-4DCA-962F-3BB6FD3A6362}"/>
               </a:ext>
             </a:extLst>
           </p:cNvPr>
@@ -7049,8 +7256,8 @@
         </p:nvSpPr>
         <p:spPr>
           <a:xfrm>
-            <a:off x="7884368" y="2499742"/>
-            <a:ext cx="936104" cy="720080"/>
+            <a:off x="7884368" y="2571750"/>
+            <a:ext cx="936104" cy="576064"/>
           </a:xfrm>
           <a:prstGeom prst="roundRect">
             <a:avLst>
@@ -7206,7 +7413,7 @@
           <p:cNvPr id="68" name="CuadroTexto 19">
             <a:extLst>
               <a:ext uri="{FF2B5EF4-FFF2-40B4-BE49-F238E27FC236}">
-                <a16:creationId xmlns="" xmlns:a16="http://schemas.microsoft.com/office/drawing/2014/main" id="{B81A97C9-B44A-4DCA-962F-3BB6FD3A6362}"/>
+                <a16:creationId xmlns:a16="http://schemas.microsoft.com/office/drawing/2014/main" xmlns="" id="{B81A97C9-B44A-4DCA-962F-3BB6FD3A6362}"/>
               </a:ext>
             </a:extLst>
           </p:cNvPr>
@@ -7248,7 +7455,7 @@
           <p:cNvPr id="69" name="CuadroTexto 19">
             <a:extLst>
               <a:ext uri="{FF2B5EF4-FFF2-40B4-BE49-F238E27FC236}">
-                <a16:creationId xmlns="" xmlns:a16="http://schemas.microsoft.com/office/drawing/2014/main" id="{B81A97C9-B44A-4DCA-962F-3BB6FD3A6362}"/>
+                <a16:creationId xmlns:a16="http://schemas.microsoft.com/office/drawing/2014/main" xmlns="" id="{B81A97C9-B44A-4DCA-962F-3BB6FD3A6362}"/>
               </a:ext>
             </a:extLst>
           </p:cNvPr>
@@ -7290,7 +7497,7 @@
           <p:cNvPr id="73" name="CuadroTexto 19">
             <a:extLst>
               <a:ext uri="{FF2B5EF4-FFF2-40B4-BE49-F238E27FC236}">
-                <a16:creationId xmlns="" xmlns:a16="http://schemas.microsoft.com/office/drawing/2014/main" id="{B81A97C9-B44A-4DCA-962F-3BB6FD3A6362}"/>
+                <a16:creationId xmlns:a16="http://schemas.microsoft.com/office/drawing/2014/main" xmlns="" id="{B81A97C9-B44A-4DCA-962F-3BB6FD3A6362}"/>
               </a:ext>
             </a:extLst>
           </p:cNvPr>
@@ -7963,7 +8170,7 @@
           <p:cNvPr id="57" name="CuadroTexto 19">
             <a:extLst>
               <a:ext uri="{FF2B5EF4-FFF2-40B4-BE49-F238E27FC236}">
-                <a16:creationId xmlns="" xmlns:a16="http://schemas.microsoft.com/office/drawing/2014/main" id="{B81A97C9-B44A-4DCA-962F-3BB6FD3A6362}"/>
+                <a16:creationId xmlns:a16="http://schemas.microsoft.com/office/drawing/2014/main" xmlns="" id="{B81A97C9-B44A-4DCA-962F-3BB6FD3A6362}"/>
               </a:ext>
             </a:extLst>
           </p:cNvPr>
@@ -8015,7 +8222,7 @@
           <p:cNvPr id="58" name="CuadroTexto 19">
             <a:extLst>
               <a:ext uri="{FF2B5EF4-FFF2-40B4-BE49-F238E27FC236}">
-                <a16:creationId xmlns="" xmlns:a16="http://schemas.microsoft.com/office/drawing/2014/main" id="{B81A97C9-B44A-4DCA-962F-3BB6FD3A6362}"/>
+                <a16:creationId xmlns:a16="http://schemas.microsoft.com/office/drawing/2014/main" xmlns="" id="{B81A97C9-B44A-4DCA-962F-3BB6FD3A6362}"/>
               </a:ext>
             </a:extLst>
           </p:cNvPr>
